--- a/3 PHP массивы.pptx
+++ b/3 PHP массивы.pptx
@@ -246,7 +246,7 @@
           <a:p>
             <a:fld id="{72BB7154-83CA-42D1-B8F7-C4B251700765}" type="datetimeFigureOut">
               <a:rPr lang="ru-RU" smtClean="0"/>
-              <a:t>26.01.2026</a:t>
+              <a:t>02.02.2026</a:t>
             </a:fld>
             <a:endParaRPr lang="ru-RU"/>
           </a:p>
@@ -729,7 +729,7 @@
           <a:p>
             <a:fld id="{DD273499-ED8B-4F56-BA39-FA6EDD5F2903}" type="datetime1">
               <a:rPr lang="ru-RU" smtClean="0"/>
-              <a:t>26.01.2026</a:t>
+              <a:t>02.02.2026</a:t>
             </a:fld>
             <a:endParaRPr lang="ru-RU"/>
           </a:p>
@@ -900,7 +900,7 @@
           <a:p>
             <a:fld id="{18DF8507-F2BB-42A8-903A-6E677A4A2DCA}" type="datetime1">
               <a:rPr lang="ru-RU" smtClean="0"/>
-              <a:t>26.01.2026</a:t>
+              <a:t>02.02.2026</a:t>
             </a:fld>
             <a:endParaRPr lang="ru-RU"/>
           </a:p>
@@ -1081,7 +1081,7 @@
           <a:p>
             <a:fld id="{E2A60E52-264F-4A2B-9097-E05155DF7890}" type="datetime1">
               <a:rPr lang="ru-RU" smtClean="0"/>
-              <a:t>26.01.2026</a:t>
+              <a:t>02.02.2026</a:t>
             </a:fld>
             <a:endParaRPr lang="ru-RU"/>
           </a:p>
@@ -1252,7 +1252,7 @@
           <a:p>
             <a:fld id="{D3C597DB-8C22-4CC8-BF21-04ED2D8BEE2E}" type="datetime1">
               <a:rPr lang="ru-RU" smtClean="0"/>
-              <a:t>26.01.2026</a:t>
+              <a:t>02.02.2026</a:t>
             </a:fld>
             <a:endParaRPr lang="ru-RU"/>
           </a:p>
@@ -1499,7 +1499,7 @@
           <a:p>
             <a:fld id="{314261BE-6757-413E-8A0E-966CB65364AF}" type="datetime1">
               <a:rPr lang="ru-RU" smtClean="0"/>
-              <a:t>26.01.2026</a:t>
+              <a:t>02.02.2026</a:t>
             </a:fld>
             <a:endParaRPr lang="ru-RU"/>
           </a:p>
@@ -1732,7 +1732,7 @@
           <a:p>
             <a:fld id="{8B5110A1-FD51-46E9-A91F-7F43DB0D225C}" type="datetime1">
               <a:rPr lang="ru-RU" smtClean="0"/>
-              <a:t>26.01.2026</a:t>
+              <a:t>02.02.2026</a:t>
             </a:fld>
             <a:endParaRPr lang="ru-RU"/>
           </a:p>
@@ -2100,7 +2100,7 @@
           <a:p>
             <a:fld id="{C4A66B44-94B8-4540-8C93-D372B7EFF51A}" type="datetime1">
               <a:rPr lang="ru-RU" smtClean="0"/>
-              <a:t>26.01.2026</a:t>
+              <a:t>02.02.2026</a:t>
             </a:fld>
             <a:endParaRPr lang="ru-RU"/>
           </a:p>
@@ -2219,7 +2219,7 @@
           <a:p>
             <a:fld id="{F3B00489-61FE-45D5-A230-9CCD8990ACA2}" type="datetime1">
               <a:rPr lang="ru-RU" smtClean="0"/>
-              <a:t>26.01.2026</a:t>
+              <a:t>02.02.2026</a:t>
             </a:fld>
             <a:endParaRPr lang="ru-RU"/>
           </a:p>
@@ -2315,7 +2315,7 @@
           <a:p>
             <a:fld id="{55C57C61-AC55-42F2-AA71-8ADA9989945C}" type="datetime1">
               <a:rPr lang="ru-RU" smtClean="0"/>
-              <a:t>26.01.2026</a:t>
+              <a:t>02.02.2026</a:t>
             </a:fld>
             <a:endParaRPr lang="ru-RU"/>
           </a:p>
@@ -2593,7 +2593,7 @@
           <a:p>
             <a:fld id="{9E84F542-3CE5-4C1D-96A7-A88A143664DC}" type="datetime1">
               <a:rPr lang="ru-RU" smtClean="0"/>
-              <a:t>26.01.2026</a:t>
+              <a:t>02.02.2026</a:t>
             </a:fld>
             <a:endParaRPr lang="ru-RU"/>
           </a:p>
@@ -2847,7 +2847,7 @@
           <a:p>
             <a:fld id="{D327E407-63B4-42BB-81A5-119E95B15924}" type="datetime1">
               <a:rPr lang="ru-RU" smtClean="0"/>
-              <a:t>26.01.2026</a:t>
+              <a:t>02.02.2026</a:t>
             </a:fld>
             <a:endParaRPr lang="ru-RU"/>
           </a:p>
@@ -3061,7 +3061,7 @@
           <a:p>
             <a:fld id="{E9D592D5-6842-41A4-B5BA-1697655E4CBB}" type="datetime1">
               <a:rPr lang="ru-RU" smtClean="0"/>
-              <a:t>26.01.2026</a:t>
+              <a:t>02.02.2026</a:t>
             </a:fld>
             <a:endParaRPr lang="ru-RU"/>
           </a:p>
@@ -4576,9 +4576,6 @@
               </a:rPr>
               <a:t>или</a:t>
             </a:r>
-            <a:endParaRPr lang="ru-RU" dirty="0" smtClean="0">
-              <a:cs typeface="Courier New" panose="02070309020205020404" pitchFamily="49" charset="0"/>
-            </a:endParaRPr>
           </a:p>
           <a:p>
             <a:pPr marL="0" indent="0">
@@ -6993,47 +6990,33 @@
                 <a:latin typeface="Courier New" panose="02070309020205020404" pitchFamily="49" charset="0"/>
                 <a:cs typeface="Courier New" panose="02070309020205020404" pitchFamily="49" charset="0"/>
               </a:rPr>
-              <a:t>			</a:t>
-            </a:r>
+              <a:t>					array</a:t>
+            </a:r>
+            <a:r>
+              <a:rPr lang="en-US" dirty="0">
+                <a:latin typeface="Courier New" panose="02070309020205020404" pitchFamily="49" charset="0"/>
+                <a:cs typeface="Courier New" panose="02070309020205020404" pitchFamily="49" charset="0"/>
+              </a:rPr>
+              <a:t>( "</a:t>
+            </a:r>
+            <a:r>
+              <a:rPr lang="ru-RU" dirty="0">
+                <a:latin typeface="Courier New" panose="02070309020205020404" pitchFamily="49" charset="0"/>
+                <a:cs typeface="Courier New" panose="02070309020205020404" pitchFamily="49" charset="0"/>
+              </a:rPr>
+              <a:t>С2", "Стол", 1500 ),</a:t>
+            </a:r>
+          </a:p>
+          <a:p>
+            <a:pPr>
+              <a:buNone/>
+            </a:pPr>
             <a:r>
               <a:rPr lang="en-US" dirty="0" smtClean="0">
                 <a:latin typeface="Courier New" panose="02070309020205020404" pitchFamily="49" charset="0"/>
                 <a:cs typeface="Courier New" panose="02070309020205020404" pitchFamily="49" charset="0"/>
               </a:rPr>
-              <a:t>		array</a:t>
-            </a:r>
-            <a:r>
-              <a:rPr lang="en-US" dirty="0">
-                <a:latin typeface="Courier New" panose="02070309020205020404" pitchFamily="49" charset="0"/>
-                <a:cs typeface="Courier New" panose="02070309020205020404" pitchFamily="49" charset="0"/>
-              </a:rPr>
-              <a:t>( "</a:t>
-            </a:r>
-            <a:r>
-              <a:rPr lang="ru-RU" dirty="0">
-                <a:latin typeface="Courier New" panose="02070309020205020404" pitchFamily="49" charset="0"/>
-                <a:cs typeface="Courier New" panose="02070309020205020404" pitchFamily="49" charset="0"/>
-              </a:rPr>
-              <a:t>С2", "Стол", 1500 ),</a:t>
-            </a:r>
-          </a:p>
-          <a:p>
-            <a:pPr>
-              <a:buNone/>
-            </a:pPr>
-            <a:r>
-              <a:rPr lang="en-US" dirty="0" smtClean="0">
-                <a:latin typeface="Courier New" panose="02070309020205020404" pitchFamily="49" charset="0"/>
-                <a:cs typeface="Courier New" panose="02070309020205020404" pitchFamily="49" charset="0"/>
-              </a:rPr>
-              <a:t>			</a:t>
-            </a:r>
-            <a:r>
-              <a:rPr lang="en-US" dirty="0" smtClean="0">
-                <a:latin typeface="Courier New" panose="02070309020205020404" pitchFamily="49" charset="0"/>
-                <a:cs typeface="Courier New" panose="02070309020205020404" pitchFamily="49" charset="0"/>
-              </a:rPr>
-              <a:t>		array</a:t>
+              <a:t>					array</a:t>
             </a:r>
             <a:r>
               <a:rPr lang="en-US" dirty="0">
@@ -11802,14 +11785,7 @@
                 <a:latin typeface="Courier New" panose="02070309020205020404" pitchFamily="49" charset="0"/>
                 <a:cs typeface="Courier New" panose="02070309020205020404" pitchFamily="49" charset="0"/>
               </a:rPr>
-              <a:t>$products2= $</a:t>
-            </a:r>
-            <a:r>
-              <a:rPr lang="en-US" dirty="0" smtClean="0">
-                <a:latin typeface="Courier New" panose="02070309020205020404" pitchFamily="49" charset="0"/>
-                <a:cs typeface="Courier New" panose="02070309020205020404" pitchFamily="49" charset="0"/>
-              </a:rPr>
-              <a:t>products</a:t>
+              <a:t>$products2= $products</a:t>
             </a:r>
             <a:r>
               <a:rPr lang="en-US" dirty="0">
@@ -11918,10 +11894,6 @@
               </a:rPr>
               <a:t> </a:t>
             </a:r>
-            <a:endParaRPr lang="en-US" dirty="0" smtClean="0">
-              <a:latin typeface="Courier New" panose="02070309020205020404" pitchFamily="49" charset="0"/>
-              <a:cs typeface="Courier New" panose="02070309020205020404" pitchFamily="49" charset="0"/>
-            </a:endParaRPr>
           </a:p>
           <a:p>
             <a:pPr marL="0" indent="0">
@@ -12219,8 +12191,107 @@
                 <a:latin typeface="Courier New" panose="02070309020205020404" pitchFamily="49" charset="0"/>
                 <a:cs typeface="Courier New" panose="02070309020205020404" pitchFamily="49" charset="0"/>
               </a:rPr>
-              <a:t>[2] = "Табурет";</a:t>
-            </a:r>
+              <a:t>[2] = "Табурет</a:t>
+            </a:r>
+            <a:r>
+              <a:rPr lang="ru-RU" dirty="0" smtClean="0">
+                <a:latin typeface="Courier New" panose="02070309020205020404" pitchFamily="49" charset="0"/>
+                <a:cs typeface="Courier New" panose="02070309020205020404" pitchFamily="49" charset="0"/>
+              </a:rPr>
+              <a:t>";</a:t>
+            </a:r>
+            <a:endParaRPr lang="en-US" dirty="0" smtClean="0">
+              <a:latin typeface="Courier New" panose="02070309020205020404" pitchFamily="49" charset="0"/>
+              <a:cs typeface="Courier New" panose="02070309020205020404" pitchFamily="49" charset="0"/>
+            </a:endParaRPr>
+          </a:p>
+          <a:p>
+            <a:pPr marL="0" indent="0">
+              <a:buNone/>
+            </a:pPr>
+            <a:r>
+              <a:rPr lang="ru-RU" dirty="0">
+                <a:latin typeface="Courier New" panose="02070309020205020404" pitchFamily="49" charset="0"/>
+                <a:cs typeface="Courier New" panose="02070309020205020404" pitchFamily="49" charset="0"/>
+              </a:rPr>
+              <a:t>$</a:t>
+            </a:r>
+            <a:r>
+              <a:rPr lang="ru-RU" dirty="0" err="1">
+                <a:latin typeface="Courier New" panose="02070309020205020404" pitchFamily="49" charset="0"/>
+                <a:cs typeface="Courier New" panose="02070309020205020404" pitchFamily="49" charset="0"/>
+              </a:rPr>
+              <a:t>products</a:t>
+            </a:r>
+            <a:r>
+              <a:rPr lang="ru-RU" dirty="0" smtClean="0">
+                <a:latin typeface="Courier New" panose="02070309020205020404" pitchFamily="49" charset="0"/>
+                <a:cs typeface="Courier New" panose="02070309020205020404" pitchFamily="49" charset="0"/>
+              </a:rPr>
+              <a:t>[] </a:t>
+            </a:r>
+            <a:r>
+              <a:rPr lang="ru-RU" dirty="0">
+                <a:latin typeface="Courier New" panose="02070309020205020404" pitchFamily="49" charset="0"/>
+                <a:cs typeface="Courier New" panose="02070309020205020404" pitchFamily="49" charset="0"/>
+              </a:rPr>
+              <a:t>= </a:t>
+            </a:r>
+            <a:r>
+              <a:rPr lang="ru-RU" dirty="0" smtClean="0">
+                <a:latin typeface="Courier New" panose="02070309020205020404" pitchFamily="49" charset="0"/>
+                <a:cs typeface="Courier New" panose="02070309020205020404" pitchFamily="49" charset="0"/>
+              </a:rPr>
+              <a:t>“</a:t>
+            </a:r>
+            <a:r>
+              <a:rPr lang="en-US" dirty="0" err="1" smtClean="0">
+                <a:latin typeface="Courier New" panose="02070309020205020404" pitchFamily="49" charset="0"/>
+                <a:cs typeface="Courier New" panose="02070309020205020404" pitchFamily="49" charset="0"/>
+              </a:rPr>
+              <a:t>ghgh</a:t>
+            </a:r>
+            <a:r>
+              <a:rPr lang="ru-RU" dirty="0" smtClean="0">
+                <a:latin typeface="Courier New" panose="02070309020205020404" pitchFamily="49" charset="0"/>
+                <a:cs typeface="Courier New" panose="02070309020205020404" pitchFamily="49" charset="0"/>
+              </a:rPr>
+              <a:t>";</a:t>
+            </a:r>
+            <a:r>
+              <a:rPr lang="en-US" dirty="0" smtClean="0">
+                <a:latin typeface="Courier New" panose="02070309020205020404" pitchFamily="49" charset="0"/>
+                <a:cs typeface="Courier New" panose="02070309020205020404" pitchFamily="49" charset="0"/>
+              </a:rPr>
+              <a:t> - </a:t>
+            </a:r>
+            <a:r>
+              <a:rPr lang="ru-RU" dirty="0" smtClean="0">
+                <a:latin typeface="Courier New" panose="02070309020205020404" pitchFamily="49" charset="0"/>
+                <a:cs typeface="Courier New" panose="02070309020205020404" pitchFamily="49" charset="0"/>
+              </a:rPr>
+              <a:t>добавится в </a:t>
+            </a:r>
+            <a:r>
+              <a:rPr lang="ru-RU" smtClean="0">
+                <a:latin typeface="Courier New" panose="02070309020205020404" pitchFamily="49" charset="0"/>
+                <a:cs typeface="Courier New" panose="02070309020205020404" pitchFamily="49" charset="0"/>
+              </a:rPr>
+              <a:t>конец массива</a:t>
+            </a:r>
+            <a:endParaRPr lang="ru-RU" dirty="0">
+              <a:latin typeface="Courier New" panose="02070309020205020404" pitchFamily="49" charset="0"/>
+              <a:cs typeface="Courier New" panose="02070309020205020404" pitchFamily="49" charset="0"/>
+            </a:endParaRPr>
+          </a:p>
+          <a:p>
+            <a:pPr marL="0" indent="0">
+              <a:buNone/>
+            </a:pPr>
+            <a:endParaRPr lang="ru-RU" dirty="0">
+              <a:latin typeface="Courier New" panose="02070309020205020404" pitchFamily="49" charset="0"/>
+              <a:cs typeface="Courier New" panose="02070309020205020404" pitchFamily="49" charset="0"/>
+            </a:endParaRPr>
           </a:p>
           <a:p>
             <a:pPr marL="0" indent="0">
